--- a/lolTRPG/原案/簡単概要.pptx
+++ b/lolTRPG/原案/簡単概要.pptx
@@ -110,6 +110,11 @@
       </a:defRPr>
     </a:lvl9pPr>
   </p:defaultTextStyle>
+  <p:extLst>
+    <p:ext uri="{EFAFB233-063F-42B5-8137-9DF3F51BA10A}">
+      <p15:sldGuideLst xmlns:p15="http://schemas.microsoft.com/office/powerpoint/2012/main"/>
+    </p:ext>
+  </p:extLst>
 </p:presentation>
 </file>
 
@@ -3673,7 +3678,7 @@
         </p:nvSpPr>
         <p:spPr>
           <a:xfrm>
-            <a:off x="4844471" y="2969583"/>
+            <a:off x="4789053" y="2969216"/>
             <a:ext cx="2503055" cy="369332"/>
           </a:xfrm>
           <a:prstGeom prst="rect">
@@ -7848,7 +7853,7 @@
         <p:spPr>
           <a:xfrm>
             <a:off x="110835" y="398"/>
-            <a:ext cx="9508835" cy="1200329"/>
+            <a:ext cx="9508835" cy="923330"/>
           </a:xfrm>
           <a:prstGeom prst="rect">
             <a:avLst/>
@@ -7869,17 +7874,10 @@
               <a:rPr kumimoji="1" lang="en-US" altLang="ja-JP" dirty="0"/>
             </a:br>
             <a:r>
-              <a:rPr lang="ja-JP" altLang="en-US" dirty="0"/>
-              <a:t>攻撃：攻撃を行う　ダイス判定を行う</a:t>
+              <a:rPr kumimoji="1" lang="ja-JP" altLang="en-US" dirty="0"/>
+              <a:t>ファームを行った：表示</a:t>
             </a:r>
             <a:endParaRPr lang="en-US" altLang="ja-JP" dirty="0"/>
-          </a:p>
-          <a:p>
-            <a:r>
-              <a:rPr kumimoji="1" lang="ja-JP" altLang="en-US" dirty="0"/>
-              <a:t>回避：回避を行う　ダイス判定を行う</a:t>
-            </a:r>
-            <a:endParaRPr kumimoji="1" lang="en-US" altLang="ja-JP" dirty="0"/>
           </a:p>
           <a:p>
             <a:r>
@@ -9169,23 +9167,24 @@
               <a:rPr kumimoji="1" lang="en-US" altLang="ja-JP" dirty="0"/>
             </a:br>
             <a:r>
+              <a:rPr kumimoji="1" lang="ja-JP" altLang="en-US" dirty="0"/>
+              <a:t>アイテム名入力：アイテム名を入力する</a:t>
+            </a:r>
+            <a:endParaRPr kumimoji="1" lang="en-US" altLang="ja-JP" dirty="0"/>
+          </a:p>
+          <a:p>
+            <a:r>
               <a:rPr lang="ja-JP" altLang="en-US" dirty="0"/>
-              <a:t>攻撃：攻撃を行う　ダイス判定を行う</a:t>
-            </a:r>
-            <a:endParaRPr lang="en-US" altLang="ja-JP" dirty="0"/>
-          </a:p>
-          <a:p>
+              <a:t>アイテム効果を選択</a:t>
+            </a:r>
             <a:r>
               <a:rPr kumimoji="1" lang="ja-JP" altLang="en-US" dirty="0"/>
-              <a:t>回避：回避を行う　ダイス判定を行う</a:t>
+              <a:t>：アイテム効果を選択</a:t>
             </a:r>
             <a:endParaRPr kumimoji="1" lang="en-US" altLang="ja-JP" dirty="0"/>
           </a:p>
           <a:p>
-            <a:r>
-              <a:rPr kumimoji="1" lang="ja-JP" altLang="en-US" dirty="0"/>
-              <a:t>次へ：攻撃、回避判定を行い、次の行動へ</a:t>
-            </a:r>
+            <a:endParaRPr kumimoji="1" lang="ja-JP" altLang="en-US" dirty="0"/>
           </a:p>
         </p:txBody>
       </p:sp>
